--- a/Reports/ozan_keysan_report/stuedies_ahmetcan_akuz/Fault_Tolerance.pptx
+++ b/Reports/ozan_keysan_report/stuedies_ahmetcan_akuz/Fault_Tolerance.pptx
@@ -266,7 +266,7 @@
           <a:p>
             <a:fld id="{524C83C5-A6E3-467E-88A3-7867E1892419}" type="datetimeFigureOut">
               <a:rPr lang="tr-TR" smtClean="0"/>
-              <a:t>27.04.2024</a:t>
+              <a:t>15.08.2024</a:t>
             </a:fld>
             <a:endParaRPr lang="tr-TR"/>
           </a:p>
@@ -436,7 +436,7 @@
           <a:p>
             <a:fld id="{524C83C5-A6E3-467E-88A3-7867E1892419}" type="datetimeFigureOut">
               <a:rPr lang="tr-TR" smtClean="0"/>
-              <a:t>27.04.2024</a:t>
+              <a:t>15.08.2024</a:t>
             </a:fld>
             <a:endParaRPr lang="tr-TR"/>
           </a:p>
@@ -616,7 +616,7 @@
           <a:p>
             <a:fld id="{524C83C5-A6E3-467E-88A3-7867E1892419}" type="datetimeFigureOut">
               <a:rPr lang="tr-TR" smtClean="0"/>
-              <a:t>27.04.2024</a:t>
+              <a:t>15.08.2024</a:t>
             </a:fld>
             <a:endParaRPr lang="tr-TR"/>
           </a:p>
@@ -786,7 +786,7 @@
           <a:p>
             <a:fld id="{524C83C5-A6E3-467E-88A3-7867E1892419}" type="datetimeFigureOut">
               <a:rPr lang="tr-TR" smtClean="0"/>
-              <a:t>27.04.2024</a:t>
+              <a:t>15.08.2024</a:t>
             </a:fld>
             <a:endParaRPr lang="tr-TR"/>
           </a:p>
@@ -1032,7 +1032,7 @@
           <a:p>
             <a:fld id="{524C83C5-A6E3-467E-88A3-7867E1892419}" type="datetimeFigureOut">
               <a:rPr lang="tr-TR" smtClean="0"/>
-              <a:t>27.04.2024</a:t>
+              <a:t>15.08.2024</a:t>
             </a:fld>
             <a:endParaRPr lang="tr-TR"/>
           </a:p>
@@ -1264,7 +1264,7 @@
           <a:p>
             <a:fld id="{524C83C5-A6E3-467E-88A3-7867E1892419}" type="datetimeFigureOut">
               <a:rPr lang="tr-TR" smtClean="0"/>
-              <a:t>27.04.2024</a:t>
+              <a:t>15.08.2024</a:t>
             </a:fld>
             <a:endParaRPr lang="tr-TR"/>
           </a:p>
@@ -1631,7 +1631,7 @@
           <a:p>
             <a:fld id="{524C83C5-A6E3-467E-88A3-7867E1892419}" type="datetimeFigureOut">
               <a:rPr lang="tr-TR" smtClean="0"/>
-              <a:t>27.04.2024</a:t>
+              <a:t>15.08.2024</a:t>
             </a:fld>
             <a:endParaRPr lang="tr-TR"/>
           </a:p>
@@ -1749,7 +1749,7 @@
           <a:p>
             <a:fld id="{524C83C5-A6E3-467E-88A3-7867E1892419}" type="datetimeFigureOut">
               <a:rPr lang="tr-TR" smtClean="0"/>
-              <a:t>27.04.2024</a:t>
+              <a:t>15.08.2024</a:t>
             </a:fld>
             <a:endParaRPr lang="tr-TR"/>
           </a:p>
@@ -1844,7 +1844,7 @@
           <a:p>
             <a:fld id="{524C83C5-A6E3-467E-88A3-7867E1892419}" type="datetimeFigureOut">
               <a:rPr lang="tr-TR" smtClean="0"/>
-              <a:t>27.04.2024</a:t>
+              <a:t>15.08.2024</a:t>
             </a:fld>
             <a:endParaRPr lang="tr-TR"/>
           </a:p>
@@ -2121,7 +2121,7 @@
           <a:p>
             <a:fld id="{524C83C5-A6E3-467E-88A3-7867E1892419}" type="datetimeFigureOut">
               <a:rPr lang="tr-TR" smtClean="0"/>
-              <a:t>27.04.2024</a:t>
+              <a:t>15.08.2024</a:t>
             </a:fld>
             <a:endParaRPr lang="tr-TR"/>
           </a:p>
@@ -2378,7 +2378,7 @@
           <a:p>
             <a:fld id="{524C83C5-A6E3-467E-88A3-7867E1892419}" type="datetimeFigureOut">
               <a:rPr lang="tr-TR" smtClean="0"/>
-              <a:t>27.04.2024</a:t>
+              <a:t>15.08.2024</a:t>
             </a:fld>
             <a:endParaRPr lang="tr-TR"/>
           </a:p>
@@ -2591,7 +2591,7 @@
           <a:p>
             <a:fld id="{524C83C5-A6E3-467E-88A3-7867E1892419}" type="datetimeFigureOut">
               <a:rPr lang="tr-TR" smtClean="0"/>
-              <a:t>27.04.2024</a:t>
+              <a:t>15.08.2024</a:t>
             </a:fld>
             <a:endParaRPr lang="tr-TR"/>
           </a:p>
@@ -7817,10 +7817,6 @@
           <a:bodyPr/>
           <a:lstStyle/>
           <a:p>
-            <a:r>
-              <a:rPr lang="en-US" dirty="0"/>
-              <a:t>The</a:t>
-            </a:r>
             <a:endParaRPr lang="tr-TR" dirty="0"/>
           </a:p>
         </p:txBody>
